--- a/Template_FotosRedesSociales.pptx
+++ b/Template_FotosRedesSociales.pptx
@@ -11,7 +11,7 @@
     <p:handoutMasterId r:id="rId7"/>
   </p:handoutMasterIdLst>
   <p:sldIdLst>
-    <p:sldId id="259" r:id="rId2"/>
+    <p:sldId id="263" r:id="rId2"/>
     <p:sldId id="260" r:id="rId3"/>
     <p:sldId id="261" r:id="rId4"/>
     <p:sldId id="262" r:id="rId5"/>
@@ -409,7 +409,7 @@
           <a:p>
             <a:fld id="{03A012E8-6E20-4BC1-8B4C-4A98443D43AF}" type="datetimeFigureOut">
               <a:rPr lang="es-MX" smtClean="0"/>
-              <a:t>16/02/21</a:t>
+              <a:t>23/02/21</a:t>
             </a:fld>
             <a:endParaRPr lang="es-MX"/>
           </a:p>
@@ -681,6 +681,37 @@
 </file>
 
 <file path=ppt/slideLayouts/slideLayout1.xml><?xml version="1.0" encoding="utf-8"?>
+<p:sldLayout xmlns:a="http://schemas.openxmlformats.org/drawingml/2006/main" xmlns:r="http://schemas.openxmlformats.org/officeDocument/2006/relationships" xmlns:p="http://schemas.openxmlformats.org/presentationml/2006/main" preserve="1" userDrawn="1">
+  <p:cSld name="1_Frame 1">
+    <p:spTree>
+      <p:nvGrpSpPr>
+        <p:cNvPr id="1" name=""/>
+        <p:cNvGrpSpPr/>
+        <p:nvPr/>
+      </p:nvGrpSpPr>
+      <p:grpSpPr>
+        <a:xfrm>
+          <a:off x="0" y="0"/>
+          <a:ext cx="0" cy="0"/>
+          <a:chOff x="0" y="0"/>
+          <a:chExt cx="0" cy="0"/>
+        </a:xfrm>
+      </p:grpSpPr>
+    </p:spTree>
+    <p:extLst>
+      <p:ext uri="{BB962C8B-B14F-4D97-AF65-F5344CB8AC3E}">
+        <p14:creationId xmlns:p14="http://schemas.microsoft.com/office/powerpoint/2010/main" val="500144308"/>
+      </p:ext>
+    </p:extLst>
+  </p:cSld>
+  <p:clrMapOvr>
+    <a:masterClrMapping/>
+  </p:clrMapOvr>
+  <p:transition spd="med"/>
+</p:sldLayout>
+</file>
+
+<file path=ppt/slideLayouts/slideLayout2.xml><?xml version="1.0" encoding="utf-8"?>
 <p:sldLayout xmlns:a="http://schemas.openxmlformats.org/drawingml/2006/main" xmlns:r="http://schemas.openxmlformats.org/officeDocument/2006/relationships" xmlns:p="http://schemas.openxmlformats.org/presentationml/2006/main" preserve="1" userDrawn="1">
   <p:cSld name="Frame 1">
     <p:spTree>
@@ -1287,7 +1318,7 @@
 </p:sldLayout>
 </file>
 
-<file path=ppt/slideLayouts/slideLayout2.xml><?xml version="1.0" encoding="utf-8"?>
+<file path=ppt/slideLayouts/slideLayout3.xml><?xml version="1.0" encoding="utf-8"?>
 <p:sldLayout xmlns:a="http://schemas.openxmlformats.org/drawingml/2006/main" xmlns:r="http://schemas.openxmlformats.org/officeDocument/2006/relationships" xmlns:p="http://schemas.openxmlformats.org/presentationml/2006/main" preserve="1" userDrawn="1">
   <p:cSld name="Frame 3">
     <p:spTree>
@@ -11539,7 +11570,7 @@
 </p:sldLayout>
 </file>
 
-<file path=ppt/slideLayouts/slideLayout3.xml><?xml version="1.0" encoding="utf-8"?>
+<file path=ppt/slideLayouts/slideLayout4.xml><?xml version="1.0" encoding="utf-8"?>
 <p:sldLayout xmlns:a="http://schemas.openxmlformats.org/drawingml/2006/main" xmlns:r="http://schemas.openxmlformats.org/officeDocument/2006/relationships" xmlns:p="http://schemas.openxmlformats.org/presentationml/2006/main" preserve="1" userDrawn="1">
   <p:cSld name="Frame 2">
     <p:spTree>
@@ -20479,9 +20510,10 @@
   </p:cSld>
   <p:clrMap bg1="lt1" tx1="dk1" bg2="lt2" tx2="dk2" accent1="accent1" accent2="accent2" accent3="accent3" accent4="accent4" accent5="accent5" accent6="accent6" hlink="hlink" folHlink="folHlink"/>
   <p:sldLayoutIdLst>
-    <p:sldLayoutId id="2147483651" r:id="rId1"/>
-    <p:sldLayoutId id="2147483653" r:id="rId2"/>
-    <p:sldLayoutId id="2147483652" r:id="rId3"/>
+    <p:sldLayoutId id="2147483654" r:id="rId1"/>
+    <p:sldLayoutId id="2147483651" r:id="rId2"/>
+    <p:sldLayoutId id="2147483653" r:id="rId3"/>
+    <p:sldLayoutId id="2147483652" r:id="rId4"/>
   </p:sldLayoutIdLst>
   <p:transition spd="med"/>
   <p:txStyles>
@@ -21214,109 +21246,1078 @@
           <a:chExt cx="0" cy="0"/>
         </a:xfrm>
       </p:grpSpPr>
-      <p:pic>
-        <p:nvPicPr>
-          <p:cNvPr id="7" name="Imagen 6"/>
-          <p:cNvPicPr>
-            <a:picLocks noChangeAspect="1"/>
-          </p:cNvPicPr>
-          <p:nvPr/>
-        </p:nvPicPr>
-        <p:blipFill rotWithShape="1">
-          <a:blip r:embed="rId2">
-            <a:extLst>
-              <a:ext uri="{28A0092B-C50C-407E-A947-70E740481C1C}">
-                <a14:useLocalDpi xmlns:a14="http://schemas.microsoft.com/office/drawing/2010/main" val="0"/>
-              </a:ext>
-            </a:extLst>
-          </a:blip>
-          <a:srcRect t="51957"/>
-          <a:stretch/>
-        </p:blipFill>
-        <p:spPr>
-          <a:xfrm>
-            <a:off x="0" y="5438274"/>
-            <a:ext cx="11430000" cy="5991726"/>
-          </a:xfrm>
-          <a:prstGeom prst="rect">
-            <a:avLst/>
-          </a:prstGeom>
-        </p:spPr>
-      </p:pic>
-      <p:pic>
-        <p:nvPicPr>
-          <p:cNvPr id="9" name="Imagen 8"/>
-          <p:cNvPicPr>
-            <a:picLocks noChangeAspect="1"/>
-          </p:cNvPicPr>
-          <p:nvPr/>
-        </p:nvPicPr>
-        <p:blipFill>
-          <a:blip r:embed="rId3"/>
-          <a:stretch>
-            <a:fillRect/>
-          </a:stretch>
-        </p:blipFill>
-        <p:spPr>
-          <a:xfrm>
-            <a:off x="3301956" y="4167509"/>
-            <a:ext cx="419100" cy="457200"/>
-          </a:xfrm>
-          <a:prstGeom prst="rect">
-            <a:avLst/>
-          </a:prstGeom>
-          <a:ln>
-            <a:noFill/>
-          </a:ln>
-          <a:effectLst>
-            <a:outerShdw blurRad="292100" dist="139700" dir="2700000" algn="tl" rotWithShape="0">
-              <a:srgbClr val="333333">
-                <a:alpha val="65000"/>
-              </a:srgbClr>
-            </a:outerShdw>
-          </a:effectLst>
-        </p:spPr>
-      </p:pic>
-      <p:pic>
-        <p:nvPicPr>
-          <p:cNvPr id="4" name="Imagen 3">
+      <p:grpSp>
+        <p:nvGrpSpPr>
+          <p:cNvPr id="13" name="Grupo 12">
             <a:extLst>
               <a:ext uri="{FF2B5EF4-FFF2-40B4-BE49-F238E27FC236}">
-                <a16:creationId xmlns:a16="http://schemas.microsoft.com/office/drawing/2014/main" id="{975239F2-6A48-2D47-AEA6-A9850C526E0B}"/>
+                <a16:creationId xmlns:a16="http://schemas.microsoft.com/office/drawing/2014/main" id="{FD5D16DC-09CE-4419-AA12-2EF054F02471}"/>
               </a:ext>
             </a:extLst>
           </p:cNvPr>
-          <p:cNvPicPr>
-            <a:picLocks noChangeAspect="1"/>
-          </p:cNvPicPr>
+          <p:cNvGrpSpPr/>
           <p:nvPr/>
-        </p:nvPicPr>
-        <p:blipFill>
-          <a:blip r:embed="rId4">
-            <a:extLst>
-              <a:ext uri="{28A0092B-C50C-407E-A947-70E740481C1C}">
-                <a14:useLocalDpi xmlns:a14="http://schemas.microsoft.com/office/drawing/2010/main" val="0"/>
-              </a:ext>
-            </a:extLst>
-          </a:blip>
-          <a:stretch>
-            <a:fillRect/>
-          </a:stretch>
-        </p:blipFill>
-        <p:spPr>
+        </p:nvGrpSpPr>
+        <p:grpSpPr>
           <a:xfrm>
-            <a:off x="-43372" y="-43372"/>
-            <a:ext cx="11516744" cy="11516744"/>
+            <a:off x="0" y="0"/>
+            <a:ext cx="11430004" cy="11430000"/>
+            <a:chOff x="0" y="0"/>
+            <a:chExt cx="11430004" cy="11430000"/>
           </a:xfrm>
-          <a:prstGeom prst="rect">
-            <a:avLst/>
-          </a:prstGeom>
-        </p:spPr>
-      </p:pic>
+        </p:grpSpPr>
+        <p:pic>
+          <p:nvPicPr>
+            <p:cNvPr id="2" name="Imagen 1">
+              <a:extLst>
+                <a:ext uri="{FF2B5EF4-FFF2-40B4-BE49-F238E27FC236}">
+                  <a16:creationId xmlns:a16="http://schemas.microsoft.com/office/drawing/2014/main" id="{71DA5FB3-468C-4EA1-8BB0-6401A771F8F0}"/>
+                </a:ext>
+              </a:extLst>
+            </p:cNvPr>
+            <p:cNvPicPr>
+              <a:picLocks noChangeAspect="1"/>
+            </p:cNvPicPr>
+            <p:nvPr/>
+          </p:nvPicPr>
+          <p:blipFill rotWithShape="1">
+            <a:blip r:embed="rId2">
+              <a:extLst>
+                <a:ext uri="{28A0092B-C50C-407E-A947-70E740481C1C}">
+                  <a14:useLocalDpi xmlns:a14="http://schemas.microsoft.com/office/drawing/2010/main" val="0"/>
+                </a:ext>
+              </a:extLst>
+            </a:blip>
+            <a:srcRect t="51957"/>
+            <a:stretch/>
+          </p:blipFill>
+          <p:spPr>
+            <a:xfrm>
+              <a:off x="0" y="5438274"/>
+              <a:ext cx="11430000" cy="5991726"/>
+            </a:xfrm>
+            <a:prstGeom prst="rect">
+              <a:avLst/>
+            </a:prstGeom>
+          </p:spPr>
+        </p:pic>
+        <p:pic>
+          <p:nvPicPr>
+            <p:cNvPr id="3" name="Imagen 2">
+              <a:extLst>
+                <a:ext uri="{FF2B5EF4-FFF2-40B4-BE49-F238E27FC236}">
+                  <a16:creationId xmlns:a16="http://schemas.microsoft.com/office/drawing/2014/main" id="{05A90F39-88FF-402F-9327-A7891DD94E34}"/>
+                </a:ext>
+              </a:extLst>
+            </p:cNvPr>
+            <p:cNvPicPr>
+              <a:picLocks noChangeAspect="1"/>
+            </p:cNvPicPr>
+            <p:nvPr/>
+          </p:nvPicPr>
+          <p:blipFill>
+            <a:blip r:embed="rId3"/>
+            <a:stretch>
+              <a:fillRect/>
+            </a:stretch>
+          </p:blipFill>
+          <p:spPr>
+            <a:xfrm>
+              <a:off x="3301956" y="4167509"/>
+              <a:ext cx="419100" cy="457200"/>
+            </a:xfrm>
+            <a:prstGeom prst="rect">
+              <a:avLst/>
+            </a:prstGeom>
+            <a:ln>
+              <a:noFill/>
+            </a:ln>
+            <a:effectLst>
+              <a:outerShdw blurRad="292100" dist="139700" dir="2700000" algn="tl" rotWithShape="0">
+                <a:srgbClr val="333333">
+                  <a:alpha val="65000"/>
+                </a:srgbClr>
+              </a:outerShdw>
+            </a:effectLst>
+          </p:spPr>
+        </p:pic>
+        <p:pic>
+          <p:nvPicPr>
+            <p:cNvPr id="4" name="Google Shape;54;p13" descr="Picture Placeholder 2">
+              <a:extLst>
+                <a:ext uri="{FF2B5EF4-FFF2-40B4-BE49-F238E27FC236}">
+                  <a16:creationId xmlns:a16="http://schemas.microsoft.com/office/drawing/2014/main" id="{84682E67-9CB3-4236-AA4F-85A223E73977}"/>
+                </a:ext>
+              </a:extLst>
+            </p:cNvPr>
+            <p:cNvPicPr preferRelativeResize="0"/>
+            <p:nvPr/>
+          </p:nvPicPr>
+          <p:blipFill rotWithShape="1">
+            <a:blip r:embed="rId4">
+              <a:alphaModFix/>
+            </a:blip>
+            <a:srcRect l="15899" r="37226" b="6410"/>
+            <a:stretch/>
+          </p:blipFill>
+          <p:spPr>
+            <a:xfrm>
+              <a:off x="4" y="0"/>
+              <a:ext cx="11430000" cy="11430000"/>
+            </a:xfrm>
+            <a:prstGeom prst="rect">
+              <a:avLst/>
+            </a:prstGeom>
+            <a:noFill/>
+            <a:ln>
+              <a:noFill/>
+            </a:ln>
+          </p:spPr>
+        </p:pic>
+        <p:sp>
+          <p:nvSpPr>
+            <p:cNvPr id="5" name="Google Shape;55;p13">
+              <a:extLst>
+                <a:ext uri="{FF2B5EF4-FFF2-40B4-BE49-F238E27FC236}">
+                  <a16:creationId xmlns:a16="http://schemas.microsoft.com/office/drawing/2014/main" id="{D4E4429E-739A-43D7-8DC8-C394BEF7D6F1}"/>
+                </a:ext>
+              </a:extLst>
+            </p:cNvPr>
+            <p:cNvSpPr/>
+            <p:nvPr/>
+          </p:nvSpPr>
+          <p:spPr>
+            <a:xfrm>
+              <a:off x="0" y="0"/>
+              <a:ext cx="11430000" cy="11430000"/>
+            </a:xfrm>
+            <a:prstGeom prst="rect">
+              <a:avLst/>
+            </a:prstGeom>
+            <a:solidFill>
+              <a:srgbClr val="000000">
+                <a:alpha val="40000"/>
+              </a:srgbClr>
+            </a:solidFill>
+            <a:ln>
+              <a:noFill/>
+            </a:ln>
+          </p:spPr>
+          <p:txBody>
+            <a:bodyPr spcFirstLastPara="1" wrap="square" lIns="91425" tIns="91425" rIns="91425" bIns="91425" anchor="ctr" anchorCtr="0">
+              <a:noAutofit/>
+            </a:bodyPr>
+            <a:lstStyle/>
+            <a:p>
+              <a:pPr marL="0" marR="0" lvl="0" indent="0" algn="ctr" rtl="0">
+                <a:lnSpc>
+                  <a:spcPct val="100000"/>
+                </a:lnSpc>
+                <a:spcBef>
+                  <a:spcPts val="0"/>
+                </a:spcBef>
+                <a:spcAft>
+                  <a:spcPts val="0"/>
+                </a:spcAft>
+                <a:buClr>
+                  <a:srgbClr val="FFFFFF"/>
+                </a:buClr>
+                <a:buSzPts val="3600"/>
+                <a:buFont typeface="Open Sans"/>
+                <a:buNone/>
+              </a:pPr>
+              <a:endParaRPr sz="3600" b="0" i="0" u="none" strike="noStrike" cap="none">
+                <a:solidFill>
+                  <a:srgbClr val="FFFFFF"/>
+                </a:solidFill>
+                <a:latin typeface="Open Sans"/>
+                <a:ea typeface="Open Sans"/>
+                <a:cs typeface="Open Sans"/>
+                <a:sym typeface="Open Sans"/>
+              </a:endParaRPr>
+            </a:p>
+          </p:txBody>
+        </p:sp>
+        <p:sp>
+          <p:nvSpPr>
+            <p:cNvPr id="6" name="Google Shape;56;p13">
+              <a:extLst>
+                <a:ext uri="{FF2B5EF4-FFF2-40B4-BE49-F238E27FC236}">
+                  <a16:creationId xmlns:a16="http://schemas.microsoft.com/office/drawing/2014/main" id="{DEF36C29-E6F4-4ECF-85CB-A539C79ED8E5}"/>
+                </a:ext>
+              </a:extLst>
+            </p:cNvPr>
+            <p:cNvSpPr txBox="1"/>
+            <p:nvPr/>
+          </p:nvSpPr>
+          <p:spPr>
+            <a:xfrm>
+              <a:off x="1233479" y="1357702"/>
+              <a:ext cx="9103348" cy="646300"/>
+            </a:xfrm>
+            <a:prstGeom prst="rect">
+              <a:avLst/>
+            </a:prstGeom>
+            <a:noFill/>
+            <a:ln>
+              <a:noFill/>
+            </a:ln>
+          </p:spPr>
+          <p:txBody>
+            <a:bodyPr spcFirstLastPara="1" wrap="square" lIns="91425" tIns="91425" rIns="91425" bIns="91425" anchor="t" anchorCtr="0">
+              <a:spAutoFit/>
+            </a:bodyPr>
+            <a:lstStyle/>
+            <a:p>
+              <a:pPr marL="0" lvl="0" indent="0" algn="l" rtl="0">
+                <a:spcBef>
+                  <a:spcPts val="0"/>
+                </a:spcBef>
+                <a:spcAft>
+                  <a:spcPts val="0"/>
+                </a:spcAft>
+                <a:buNone/>
+              </a:pPr>
+              <a:r>
+                <a:rPr lang="es-419" sz="3000" dirty="0">
+                  <a:solidFill>
+                    <a:srgbClr val="F1C232"/>
+                  </a:solidFill>
+                  <a:latin typeface="Montserrat ExtraBold"/>
+                  <a:ea typeface="Montserrat ExtraBold"/>
+                  <a:cs typeface="Montserrat ExtraBold"/>
+                  <a:sym typeface="Montserrat ExtraBold"/>
+                </a:rPr>
+                <a:t>¿Cómo insertar las fotos en el Marco Digital?</a:t>
+              </a:r>
+              <a:r>
+                <a:rPr lang="es-419" sz="3000" dirty="0">
+                  <a:solidFill>
+                    <a:srgbClr val="FF9900"/>
+                  </a:solidFill>
+                  <a:latin typeface="Montserrat ExtraBold"/>
+                  <a:ea typeface="Montserrat ExtraBold"/>
+                  <a:cs typeface="Montserrat ExtraBold"/>
+                  <a:sym typeface="Montserrat ExtraBold"/>
+                </a:rPr>
+                <a:t> </a:t>
+              </a:r>
+              <a:endParaRPr sz="3000" dirty="0">
+                <a:solidFill>
+                  <a:srgbClr val="FF9900"/>
+                </a:solidFill>
+                <a:latin typeface="Montserrat ExtraBold"/>
+                <a:ea typeface="Montserrat ExtraBold"/>
+                <a:cs typeface="Montserrat ExtraBold"/>
+                <a:sym typeface="Montserrat ExtraBold"/>
+              </a:endParaRPr>
+            </a:p>
+          </p:txBody>
+        </p:sp>
+        <p:sp>
+          <p:nvSpPr>
+            <p:cNvPr id="7" name="Google Shape;57;p13">
+              <a:extLst>
+                <a:ext uri="{FF2B5EF4-FFF2-40B4-BE49-F238E27FC236}">
+                  <a16:creationId xmlns:a16="http://schemas.microsoft.com/office/drawing/2014/main" id="{5E801664-9324-41E8-A36A-8EC413080DAD}"/>
+                </a:ext>
+              </a:extLst>
+            </p:cNvPr>
+            <p:cNvSpPr txBox="1"/>
+            <p:nvPr/>
+          </p:nvSpPr>
+          <p:spPr>
+            <a:xfrm>
+              <a:off x="1976078" y="2548135"/>
+              <a:ext cx="9103349" cy="7086525"/>
+            </a:xfrm>
+            <a:prstGeom prst="rect">
+              <a:avLst/>
+            </a:prstGeom>
+            <a:noFill/>
+            <a:ln>
+              <a:noFill/>
+            </a:ln>
+          </p:spPr>
+          <p:txBody>
+            <a:bodyPr spcFirstLastPara="1" wrap="square" lIns="91425" tIns="91425" rIns="91425" bIns="91425" anchor="t" anchorCtr="0">
+              <a:spAutoFit/>
+            </a:bodyPr>
+            <a:lstStyle/>
+            <a:p>
+              <a:pPr marL="457200" lvl="0" indent="-355600" algn="l" rtl="0">
+                <a:lnSpc>
+                  <a:spcPct val="150000"/>
+                </a:lnSpc>
+                <a:spcBef>
+                  <a:spcPts val="0"/>
+                </a:spcBef>
+                <a:spcAft>
+                  <a:spcPts val="0"/>
+                </a:spcAft>
+                <a:buClr>
+                  <a:srgbClr val="F1C232"/>
+                </a:buClr>
+                <a:buSzPts val="2000"/>
+                <a:buFont typeface="Montserrat"/>
+                <a:buAutoNum type="arabicPeriod"/>
+              </a:pPr>
+              <a:r>
+                <a:rPr lang="es-419" sz="2300" b="0" dirty="0">
+                  <a:solidFill>
+                    <a:srgbClr val="FFFFFF"/>
+                  </a:solidFill>
+                  <a:latin typeface="Montserrat"/>
+                  <a:ea typeface="Montserrat"/>
+                  <a:cs typeface="Montserrat"/>
+                  <a:sym typeface="Montserrat"/>
+                </a:rPr>
+                <a:t>Guarda la foto que tomaste en tu computadora o selecciona la mejor foto de tu experiencia en </a:t>
+              </a:r>
+              <a:r>
+                <a:rPr lang="es-419" sz="2300" b="0" dirty="0" err="1">
+                  <a:solidFill>
+                    <a:srgbClr val="FFFFFF"/>
+                  </a:solidFill>
+                  <a:latin typeface="Montserrat"/>
+                  <a:ea typeface="Montserrat"/>
+                  <a:cs typeface="Montserrat"/>
+                  <a:sym typeface="Montserrat"/>
+                </a:rPr>
+                <a:t>Iconnection</a:t>
+              </a:r>
+              <a:endParaRPr sz="2300" b="0" dirty="0">
+                <a:solidFill>
+                  <a:srgbClr val="FFFFFF"/>
+                </a:solidFill>
+                <a:latin typeface="Montserrat"/>
+                <a:ea typeface="Montserrat"/>
+                <a:cs typeface="Montserrat"/>
+                <a:sym typeface="Montserrat"/>
+              </a:endParaRPr>
+            </a:p>
+            <a:p>
+              <a:pPr marL="457200" lvl="0" indent="-355600" algn="l" rtl="0">
+                <a:lnSpc>
+                  <a:spcPct val="150000"/>
+                </a:lnSpc>
+                <a:spcBef>
+                  <a:spcPts val="0"/>
+                </a:spcBef>
+                <a:spcAft>
+                  <a:spcPts val="0"/>
+                </a:spcAft>
+                <a:buClr>
+                  <a:srgbClr val="F1C232"/>
+                </a:buClr>
+                <a:buSzPts val="2000"/>
+                <a:buFont typeface="Montserrat"/>
+                <a:buAutoNum type="arabicPeriod"/>
+              </a:pPr>
+              <a:r>
+                <a:rPr lang="es-419" sz="2300" b="0" dirty="0">
+                  <a:solidFill>
+                    <a:srgbClr val="FFFFFF"/>
+                  </a:solidFill>
+                  <a:latin typeface="Montserrat"/>
+                  <a:ea typeface="Montserrat"/>
+                  <a:cs typeface="Montserrat"/>
+                  <a:sym typeface="Montserrat"/>
+                </a:rPr>
+                <a:t>Selecciona el marco que más te guste</a:t>
+              </a:r>
+              <a:endParaRPr sz="2300" b="0" dirty="0">
+                <a:solidFill>
+                  <a:srgbClr val="FFFFFF"/>
+                </a:solidFill>
+                <a:latin typeface="Montserrat"/>
+                <a:ea typeface="Montserrat"/>
+                <a:cs typeface="Montserrat"/>
+                <a:sym typeface="Montserrat"/>
+              </a:endParaRPr>
+            </a:p>
+            <a:p>
+              <a:pPr marL="457200" lvl="0" indent="-355600" algn="l" rtl="0">
+                <a:lnSpc>
+                  <a:spcPct val="150000"/>
+                </a:lnSpc>
+                <a:spcBef>
+                  <a:spcPts val="0"/>
+                </a:spcBef>
+                <a:spcAft>
+                  <a:spcPts val="0"/>
+                </a:spcAft>
+                <a:buClr>
+                  <a:srgbClr val="F1C232"/>
+                </a:buClr>
+                <a:buSzPts val="2000"/>
+                <a:buFont typeface="Montserrat"/>
+                <a:buAutoNum type="arabicPeriod"/>
+              </a:pPr>
+              <a:r>
+                <a:rPr lang="es-419" sz="2300" b="0" dirty="0">
+                  <a:solidFill>
+                    <a:srgbClr val="FFFFFF"/>
+                  </a:solidFill>
+                  <a:latin typeface="Montserrat"/>
+                  <a:ea typeface="Montserrat"/>
+                  <a:cs typeface="Montserrat"/>
+                  <a:sym typeface="Montserrat"/>
+                </a:rPr>
+                <a:t>Haz clic en el </a:t>
+              </a:r>
+              <a:r>
+                <a:rPr lang="es-419" sz="2300" dirty="0">
+                  <a:solidFill>
+                    <a:srgbClr val="FFFFFF"/>
+                  </a:solidFill>
+                  <a:latin typeface="Montserrat"/>
+                  <a:ea typeface="Montserrat"/>
+                  <a:cs typeface="Montserrat"/>
+                  <a:sym typeface="Montserrat"/>
+                </a:rPr>
+                <a:t>botón central dentro del marco </a:t>
+              </a:r>
+              <a:r>
+                <a:rPr lang="es-419" sz="2300" b="0" dirty="0">
+                  <a:solidFill>
+                    <a:srgbClr val="FFFFFF"/>
+                  </a:solidFill>
+                  <a:latin typeface="Montserrat"/>
+                  <a:ea typeface="Montserrat"/>
+                  <a:cs typeface="Montserrat"/>
+                  <a:sym typeface="Montserrat"/>
+                </a:rPr>
+                <a:t>para insertar tu foto</a:t>
+              </a:r>
+            </a:p>
+            <a:p>
+              <a:pPr marL="457200" lvl="0" indent="-355600" algn="l" rtl="0">
+                <a:lnSpc>
+                  <a:spcPct val="150000"/>
+                </a:lnSpc>
+                <a:spcBef>
+                  <a:spcPts val="0"/>
+                </a:spcBef>
+                <a:spcAft>
+                  <a:spcPts val="0"/>
+                </a:spcAft>
+                <a:buClr>
+                  <a:srgbClr val="F1C232"/>
+                </a:buClr>
+                <a:buSzPts val="2000"/>
+                <a:buFont typeface="Montserrat"/>
+                <a:buAutoNum type="arabicPeriod"/>
+              </a:pPr>
+              <a:r>
+                <a:rPr lang="es-419" sz="2300" b="0" dirty="0">
+                  <a:solidFill>
+                    <a:srgbClr val="FFFFFF"/>
+                  </a:solidFill>
+                  <a:latin typeface="Montserrat"/>
+                  <a:ea typeface="Montserrat"/>
+                  <a:cs typeface="Montserrat"/>
+                  <a:sym typeface="Montserrat"/>
+                </a:rPr>
+                <a:t>Una vez que hayas insertado tu foto en tu marco preferido, haz clic en </a:t>
+              </a:r>
+              <a:r>
+                <a:rPr lang="es-419" sz="2300" dirty="0">
+                  <a:solidFill>
+                    <a:srgbClr val="FFFFFF"/>
+                  </a:solidFill>
+                  <a:latin typeface="Montserrat"/>
+                  <a:ea typeface="Montserrat"/>
+                  <a:cs typeface="Montserrat"/>
+                  <a:sym typeface="Montserrat"/>
+                </a:rPr>
+                <a:t>Archivo</a:t>
+              </a:r>
+              <a:r>
+                <a:rPr lang="es-419" sz="2300" b="0" dirty="0">
+                  <a:solidFill>
+                    <a:srgbClr val="FFFFFF"/>
+                  </a:solidFill>
+                  <a:latin typeface="Montserrat"/>
+                  <a:ea typeface="Montserrat"/>
+                  <a:cs typeface="Montserrat"/>
+                  <a:sym typeface="Montserrat"/>
+                </a:rPr>
+                <a:t> y después en </a:t>
+              </a:r>
+              <a:r>
+                <a:rPr lang="es-419" sz="2300" dirty="0">
+                  <a:solidFill>
+                    <a:srgbClr val="FFFFFF"/>
+                  </a:solidFill>
+                  <a:latin typeface="Montserrat"/>
+                  <a:ea typeface="Montserrat"/>
+                  <a:cs typeface="Montserrat"/>
+                  <a:sym typeface="Montserrat"/>
+                </a:rPr>
+                <a:t>Exportar</a:t>
+              </a:r>
+            </a:p>
+            <a:p>
+              <a:pPr marL="457200" lvl="0" indent="-355600" algn="l" rtl="0">
+                <a:lnSpc>
+                  <a:spcPct val="150000"/>
+                </a:lnSpc>
+                <a:spcBef>
+                  <a:spcPts val="0"/>
+                </a:spcBef>
+                <a:spcAft>
+                  <a:spcPts val="0"/>
+                </a:spcAft>
+                <a:buClr>
+                  <a:srgbClr val="F1C232"/>
+                </a:buClr>
+                <a:buSzPts val="2000"/>
+                <a:buFont typeface="Montserrat"/>
+                <a:buAutoNum type="arabicPeriod"/>
+              </a:pPr>
+              <a:r>
+                <a:rPr lang="es-419" sz="2300" b="0" dirty="0">
+                  <a:solidFill>
+                    <a:srgbClr val="FFFFFF"/>
+                  </a:solidFill>
+                  <a:latin typeface="Montserrat"/>
+                  <a:ea typeface="Montserrat"/>
+                  <a:cs typeface="Montserrat"/>
+                  <a:sym typeface="Montserrat"/>
+                </a:rPr>
+                <a:t>Selecciona </a:t>
+              </a:r>
+              <a:r>
+                <a:rPr lang="es-419" sz="2300" dirty="0">
+                  <a:solidFill>
+                    <a:srgbClr val="FFFFFF"/>
+                  </a:solidFill>
+                  <a:latin typeface="Montserrat"/>
+                  <a:ea typeface="Montserrat"/>
+                  <a:cs typeface="Montserrat"/>
+                  <a:sym typeface="Montserrat"/>
+                </a:rPr>
+                <a:t>Cambiar el tipo de archivo</a:t>
+              </a:r>
+              <a:r>
+                <a:rPr lang="es-419" sz="2300" b="0" dirty="0">
+                  <a:solidFill>
+                    <a:srgbClr val="FFFFFF"/>
+                  </a:solidFill>
+                  <a:latin typeface="Montserrat"/>
+                  <a:ea typeface="Montserrat"/>
+                  <a:cs typeface="Montserrat"/>
+                  <a:sym typeface="Montserrat"/>
+                </a:rPr>
+                <a:t> y selecciona </a:t>
+              </a:r>
+              <a:r>
+                <a:rPr lang="es-419" sz="2300" dirty="0">
+                  <a:solidFill>
+                    <a:srgbClr val="FFFFFF"/>
+                  </a:solidFill>
+                  <a:latin typeface="Montserrat"/>
+                  <a:ea typeface="Montserrat"/>
+                  <a:cs typeface="Montserrat"/>
+                  <a:sym typeface="Montserrat"/>
+                </a:rPr>
+                <a:t>PNG</a:t>
+              </a:r>
+            </a:p>
+            <a:p>
+              <a:pPr marL="457200" lvl="0" indent="-355600" algn="l" rtl="0">
+                <a:lnSpc>
+                  <a:spcPct val="150000"/>
+                </a:lnSpc>
+                <a:spcBef>
+                  <a:spcPts val="0"/>
+                </a:spcBef>
+                <a:spcAft>
+                  <a:spcPts val="0"/>
+                </a:spcAft>
+                <a:buClr>
+                  <a:srgbClr val="F1C232"/>
+                </a:buClr>
+                <a:buSzPts val="2000"/>
+                <a:buFont typeface="Montserrat"/>
+                <a:buAutoNum type="arabicPeriod"/>
+              </a:pPr>
+              <a:r>
+                <a:rPr lang="es-ES" sz="2300" b="0" dirty="0">
+                  <a:solidFill>
+                    <a:srgbClr val="FFFFFF"/>
+                  </a:solidFill>
+                  <a:latin typeface="Montserrat"/>
+                  <a:ea typeface="Montserrat"/>
+                  <a:cs typeface="Montserrat"/>
+                  <a:sym typeface="Montserrat"/>
+                </a:rPr>
+                <a:t>Haz clic en </a:t>
+              </a:r>
+              <a:r>
+                <a:rPr lang="es-ES" sz="2300" dirty="0">
+                  <a:solidFill>
+                    <a:srgbClr val="FFFFFF"/>
+                  </a:solidFill>
+                  <a:latin typeface="Montserrat"/>
+                  <a:ea typeface="Montserrat"/>
+                  <a:cs typeface="Montserrat"/>
+                  <a:sym typeface="Montserrat"/>
+                </a:rPr>
+                <a:t>Guardar</a:t>
+              </a:r>
+            </a:p>
+            <a:p>
+              <a:pPr marL="457200" lvl="0" indent="-355600" algn="l" rtl="0">
+                <a:lnSpc>
+                  <a:spcPct val="150000"/>
+                </a:lnSpc>
+                <a:spcBef>
+                  <a:spcPts val="0"/>
+                </a:spcBef>
+                <a:spcAft>
+                  <a:spcPts val="0"/>
+                </a:spcAft>
+                <a:buClr>
+                  <a:srgbClr val="F1C232"/>
+                </a:buClr>
+                <a:buSzPts val="2000"/>
+                <a:buFont typeface="Montserrat"/>
+                <a:buAutoNum type="arabicPeriod"/>
+              </a:pPr>
+              <a:r>
+                <a:rPr lang="es-ES" sz="2300" b="0" dirty="0">
+                  <a:solidFill>
+                    <a:srgbClr val="FFFFFF"/>
+                  </a:solidFill>
+                  <a:latin typeface="Montserrat"/>
+                  <a:ea typeface="Montserrat"/>
+                  <a:cs typeface="Montserrat"/>
+                  <a:sym typeface="Montserrat"/>
+                </a:rPr>
+                <a:t>En la ventana </a:t>
+              </a:r>
+              <a:r>
+                <a:rPr lang="es-ES" sz="2300" dirty="0">
+                  <a:solidFill>
+                    <a:srgbClr val="FFFFFF"/>
+                  </a:solidFill>
+                  <a:latin typeface="Montserrat"/>
+                  <a:ea typeface="Montserrat"/>
+                  <a:cs typeface="Montserrat"/>
+                  <a:sym typeface="Montserrat"/>
+                </a:rPr>
+                <a:t>¿Qué diapositivas desea exportar? </a:t>
+              </a:r>
+              <a:r>
+                <a:rPr lang="es-ES" sz="2300" b="0" dirty="0">
+                  <a:solidFill>
+                    <a:srgbClr val="FFFFFF"/>
+                  </a:solidFill>
+                  <a:latin typeface="Montserrat"/>
+                  <a:ea typeface="Montserrat"/>
+                  <a:cs typeface="Montserrat"/>
+                  <a:sym typeface="Montserrat"/>
+                </a:rPr>
+                <a:t>Selecciona: </a:t>
+              </a:r>
+              <a:r>
+                <a:rPr lang="es-ES" sz="2300" dirty="0">
+                  <a:solidFill>
+                    <a:srgbClr val="FFFFFF"/>
+                  </a:solidFill>
+                  <a:latin typeface="Montserrat"/>
+                  <a:ea typeface="Montserrat"/>
+                  <a:cs typeface="Montserrat"/>
+                  <a:sym typeface="Montserrat"/>
+                </a:rPr>
+                <a:t>Solo esta</a:t>
+              </a:r>
+              <a:endParaRPr sz="2300" dirty="0">
+                <a:solidFill>
+                  <a:srgbClr val="FFFFFF"/>
+                </a:solidFill>
+                <a:latin typeface="Montserrat"/>
+                <a:ea typeface="Montserrat"/>
+                <a:cs typeface="Montserrat"/>
+                <a:sym typeface="Montserrat"/>
+              </a:endParaRPr>
+            </a:p>
+            <a:p>
+              <a:pPr marL="457200" lvl="0" indent="-355600" algn="l" rtl="0">
+                <a:lnSpc>
+                  <a:spcPct val="150000"/>
+                </a:lnSpc>
+                <a:spcBef>
+                  <a:spcPts val="0"/>
+                </a:spcBef>
+                <a:spcAft>
+                  <a:spcPts val="0"/>
+                </a:spcAft>
+                <a:buClr>
+                  <a:srgbClr val="F1C232"/>
+                </a:buClr>
+                <a:buSzPts val="2000"/>
+                <a:buFont typeface="Montserrat"/>
+                <a:buAutoNum type="arabicPeriod"/>
+              </a:pPr>
+              <a:r>
+                <a:rPr lang="es-419" sz="2300" b="0" dirty="0">
+                  <a:solidFill>
+                    <a:srgbClr val="FFFFFF"/>
+                  </a:solidFill>
+                  <a:latin typeface="Montserrat"/>
+                  <a:ea typeface="Montserrat"/>
+                  <a:cs typeface="Montserrat"/>
+                  <a:sym typeface="Montserrat"/>
+                </a:rPr>
+                <a:t>¡Sube tu foto a tus redes sociales! Agrega los hashtags </a:t>
+              </a:r>
+              <a:r>
+                <a:rPr lang="es-419" sz="2300" dirty="0">
+                  <a:solidFill>
+                    <a:srgbClr val="FFFFFF"/>
+                  </a:solidFill>
+                  <a:latin typeface="Montserrat"/>
+                  <a:ea typeface="Montserrat"/>
+                  <a:cs typeface="Montserrat"/>
+                  <a:sym typeface="Montserrat"/>
+                </a:rPr>
+                <a:t>#Iconnection #ConIconnEsMejor</a:t>
+              </a:r>
+              <a:r>
+                <a:rPr lang="es-419" sz="2300" b="0" dirty="0">
+                  <a:solidFill>
+                    <a:srgbClr val="FFFFFF"/>
+                  </a:solidFill>
+                  <a:latin typeface="Montserrat"/>
+                  <a:ea typeface="Montserrat"/>
+                  <a:cs typeface="Montserrat"/>
+                  <a:sym typeface="Montserrat"/>
+                </a:rPr>
+                <a:t> y etiquétanos</a:t>
+              </a:r>
+              <a:endParaRPr sz="2300" b="0" dirty="0">
+                <a:solidFill>
+                  <a:srgbClr val="FFFFFF"/>
+                </a:solidFill>
+                <a:latin typeface="Montserrat"/>
+                <a:ea typeface="Montserrat"/>
+                <a:cs typeface="Montserrat"/>
+                <a:sym typeface="Montserrat"/>
+              </a:endParaRPr>
+            </a:p>
+          </p:txBody>
+        </p:sp>
+        <p:cxnSp>
+          <p:nvCxnSpPr>
+            <p:cNvPr id="8" name="Google Shape;58;p13">
+              <a:extLst>
+                <a:ext uri="{FF2B5EF4-FFF2-40B4-BE49-F238E27FC236}">
+                  <a16:creationId xmlns:a16="http://schemas.microsoft.com/office/drawing/2014/main" id="{20B46A4F-B321-450E-A7C0-6D56B034A51C}"/>
+                </a:ext>
+              </a:extLst>
+            </p:cNvPr>
+            <p:cNvCxnSpPr>
+              <a:cxnSpLocks/>
+            </p:cNvCxnSpPr>
+            <p:nvPr/>
+          </p:nvCxnSpPr>
+          <p:spPr>
+            <a:xfrm>
+              <a:off x="1099823" y="4124161"/>
+              <a:ext cx="0" cy="7305839"/>
+            </a:xfrm>
+            <a:prstGeom prst="straightConnector1">
+              <a:avLst/>
+            </a:prstGeom>
+            <a:noFill/>
+            <a:ln w="25400" cap="flat" cmpd="sng">
+              <a:solidFill>
+                <a:srgbClr val="F35D00"/>
+              </a:solidFill>
+              <a:prstDash val="solid"/>
+              <a:miter lim="8000"/>
+              <a:headEnd type="none" w="sm" len="sm"/>
+              <a:tailEnd type="none" w="sm" len="sm"/>
+            </a:ln>
+          </p:spPr>
+        </p:cxnSp>
+        <p:sp>
+          <p:nvSpPr>
+            <p:cNvPr id="9" name="Google Shape;59;p13">
+              <a:extLst>
+                <a:ext uri="{FF2B5EF4-FFF2-40B4-BE49-F238E27FC236}">
+                  <a16:creationId xmlns:a16="http://schemas.microsoft.com/office/drawing/2014/main" id="{2734DA4F-6842-4E75-93C5-71A5AB24929C}"/>
+                </a:ext>
+              </a:extLst>
+            </p:cNvPr>
+            <p:cNvSpPr/>
+            <p:nvPr/>
+          </p:nvSpPr>
+          <p:spPr>
+            <a:xfrm>
+              <a:off x="813759" y="2647209"/>
+              <a:ext cx="572130" cy="989234"/>
+            </a:xfrm>
+            <a:custGeom>
+              <a:avLst/>
+              <a:gdLst/>
+              <a:ahLst/>
+              <a:cxnLst/>
+              <a:rect l="l" t="t" r="r" b="b"/>
+              <a:pathLst>
+                <a:path w="21600" h="21599" extrusionOk="0">
+                  <a:moveTo>
+                    <a:pt x="18025" y="14058"/>
+                  </a:moveTo>
+                  <a:lnTo>
+                    <a:pt x="18025" y="11315"/>
+                  </a:lnTo>
+                  <a:cubicBezTo>
+                    <a:pt x="18025" y="5194"/>
+                    <a:pt x="13548" y="1497"/>
+                    <a:pt x="11676" y="219"/>
+                  </a:cubicBezTo>
+                  <a:cubicBezTo>
+                    <a:pt x="11474" y="80"/>
+                    <a:pt x="11177" y="1"/>
+                    <a:pt x="10864" y="0"/>
+                  </a:cubicBezTo>
+                  <a:cubicBezTo>
+                    <a:pt x="10551" y="-1"/>
+                    <a:pt x="10254" y="78"/>
+                    <a:pt x="10048" y="215"/>
+                  </a:cubicBezTo>
+                  <a:cubicBezTo>
+                    <a:pt x="8145" y="1491"/>
+                    <a:pt x="3578" y="5189"/>
+                    <a:pt x="3578" y="11315"/>
+                  </a:cubicBezTo>
+                  <a:lnTo>
+                    <a:pt x="3578" y="14059"/>
+                  </a:lnTo>
+                  <a:lnTo>
+                    <a:pt x="2702" y="14400"/>
+                  </a:lnTo>
+                  <a:cubicBezTo>
+                    <a:pt x="1013" y="15059"/>
+                    <a:pt x="0" y="16160"/>
+                    <a:pt x="0" y="17339"/>
+                  </a:cubicBezTo>
+                  <a:lnTo>
+                    <a:pt x="0" y="20613"/>
+                  </a:lnTo>
+                  <a:cubicBezTo>
+                    <a:pt x="0" y="20807"/>
+                    <a:pt x="185" y="20987"/>
+                    <a:pt x="481" y="21079"/>
+                  </a:cubicBezTo>
+                  <a:cubicBezTo>
+                    <a:pt x="778" y="21171"/>
+                    <a:pt x="1137" y="21160"/>
+                    <a:pt x="1416" y="21052"/>
+                  </a:cubicBezTo>
+                  <a:lnTo>
+                    <a:pt x="4262" y="19956"/>
+                  </a:lnTo>
+                  <a:cubicBezTo>
+                    <a:pt x="5061" y="19649"/>
+                    <a:pt x="5998" y="19484"/>
+                    <a:pt x="6958" y="19484"/>
+                  </a:cubicBezTo>
+                  <a:lnTo>
+                    <a:pt x="9051" y="19484"/>
+                  </a:lnTo>
+                  <a:lnTo>
+                    <a:pt x="9051" y="21071"/>
+                  </a:lnTo>
+                  <a:cubicBezTo>
+                    <a:pt x="9051" y="21363"/>
+                    <a:pt x="9459" y="21599"/>
+                    <a:pt x="9963" y="21599"/>
+                  </a:cubicBezTo>
+                  <a:lnTo>
+                    <a:pt x="11638" y="21599"/>
+                  </a:lnTo>
+                  <a:cubicBezTo>
+                    <a:pt x="12142" y="21599"/>
+                    <a:pt x="12550" y="21363"/>
+                    <a:pt x="12550" y="21071"/>
+                  </a:cubicBezTo>
+                  <a:lnTo>
+                    <a:pt x="12550" y="19484"/>
+                  </a:lnTo>
+                  <a:lnTo>
+                    <a:pt x="14642" y="19484"/>
+                  </a:lnTo>
+                  <a:cubicBezTo>
+                    <a:pt x="15602" y="19484"/>
+                    <a:pt x="16540" y="19647"/>
+                    <a:pt x="17341" y="19957"/>
+                  </a:cubicBezTo>
+                  <a:lnTo>
+                    <a:pt x="20184" y="21052"/>
+                  </a:lnTo>
+                  <a:cubicBezTo>
+                    <a:pt x="20463" y="21160"/>
+                    <a:pt x="20822" y="21171"/>
+                    <a:pt x="21119" y="21079"/>
+                  </a:cubicBezTo>
+                  <a:cubicBezTo>
+                    <a:pt x="21415" y="20987"/>
+                    <a:pt x="21600" y="20807"/>
+                    <a:pt x="21600" y="20613"/>
+                  </a:cubicBezTo>
+                  <a:lnTo>
+                    <a:pt x="21600" y="17339"/>
+                  </a:lnTo>
+                  <a:cubicBezTo>
+                    <a:pt x="21600" y="16162"/>
+                    <a:pt x="20586" y="15060"/>
+                    <a:pt x="18898" y="14400"/>
+                  </a:cubicBezTo>
+                  <a:lnTo>
+                    <a:pt x="18025" y="14058"/>
+                  </a:lnTo>
+                  <a:close/>
+                  <a:moveTo>
+                    <a:pt x="10802" y="9760"/>
+                  </a:moveTo>
+                  <a:cubicBezTo>
+                    <a:pt x="9064" y="9760"/>
+                    <a:pt x="7653" y="8945"/>
+                    <a:pt x="7653" y="7940"/>
+                  </a:cubicBezTo>
+                  <a:cubicBezTo>
+                    <a:pt x="7653" y="6934"/>
+                    <a:pt x="9064" y="6119"/>
+                    <a:pt x="10802" y="6119"/>
+                  </a:cubicBezTo>
+                  <a:cubicBezTo>
+                    <a:pt x="12538" y="6119"/>
+                    <a:pt x="13949" y="6934"/>
+                    <a:pt x="13949" y="7940"/>
+                  </a:cubicBezTo>
+                  <a:cubicBezTo>
+                    <a:pt x="13949" y="8945"/>
+                    <a:pt x="12538" y="9760"/>
+                    <a:pt x="10802" y="9760"/>
+                  </a:cubicBezTo>
+                  <a:close/>
+                </a:path>
+              </a:pathLst>
+            </a:custGeom>
+            <a:solidFill>
+              <a:srgbClr val="F35D00"/>
+            </a:solidFill>
+            <a:ln>
+              <a:noFill/>
+            </a:ln>
+          </p:spPr>
+          <p:txBody>
+            <a:bodyPr spcFirstLastPara="1" wrap="square" lIns="91425" tIns="91425" rIns="91425" bIns="91425" anchor="ctr" anchorCtr="0">
+              <a:noAutofit/>
+            </a:bodyPr>
+            <a:lstStyle/>
+            <a:p>
+              <a:pPr marL="0" marR="0" lvl="0" indent="0" algn="l" rtl="0">
+                <a:lnSpc>
+                  <a:spcPct val="100000"/>
+                </a:lnSpc>
+                <a:spcBef>
+                  <a:spcPts val="0"/>
+                </a:spcBef>
+                <a:spcAft>
+                  <a:spcPts val="0"/>
+                </a:spcAft>
+                <a:buClr>
+                  <a:srgbClr val="000000"/>
+                </a:buClr>
+                <a:buSzPts val="3600"/>
+                <a:buFont typeface="Open Sans"/>
+                <a:buNone/>
+              </a:pPr>
+              <a:endParaRPr sz="3600" b="0" i="0" u="none" strike="noStrike" cap="none">
+                <a:solidFill>
+                  <a:srgbClr val="000000"/>
+                </a:solidFill>
+                <a:latin typeface="Open Sans"/>
+                <a:ea typeface="Open Sans"/>
+                <a:cs typeface="Open Sans"/>
+                <a:sym typeface="Open Sans"/>
+              </a:endParaRPr>
+            </a:p>
+          </p:txBody>
+        </p:sp>
+        <p:pic>
+          <p:nvPicPr>
+            <p:cNvPr id="10" name="Google Shape;60;p13" descr="COLOR.png">
+              <a:extLst>
+                <a:ext uri="{FF2B5EF4-FFF2-40B4-BE49-F238E27FC236}">
+                  <a16:creationId xmlns:a16="http://schemas.microsoft.com/office/drawing/2014/main" id="{B651C71B-5B75-4DC8-A0FA-EFE0A9E8BDB5}"/>
+                </a:ext>
+              </a:extLst>
+            </p:cNvPr>
+            <p:cNvPicPr preferRelativeResize="0"/>
+            <p:nvPr/>
+          </p:nvPicPr>
+          <p:blipFill rotWithShape="1">
+            <a:blip r:embed="rId5">
+              <a:alphaModFix/>
+            </a:blip>
+            <a:srcRect l="20074" t="32988" r="20074" b="42321"/>
+            <a:stretch/>
+          </p:blipFill>
+          <p:spPr>
+            <a:xfrm>
+              <a:off x="8316479" y="450199"/>
+              <a:ext cx="2762952" cy="641099"/>
+            </a:xfrm>
+            <a:prstGeom prst="rect">
+              <a:avLst/>
+            </a:prstGeom>
+            <a:noFill/>
+            <a:ln>
+              <a:noFill/>
+            </a:ln>
+          </p:spPr>
+        </p:pic>
+        <p:pic>
+          <p:nvPicPr>
+            <p:cNvPr id="11" name="Imagen 10">
+              <a:extLst>
+                <a:ext uri="{FF2B5EF4-FFF2-40B4-BE49-F238E27FC236}">
+                  <a16:creationId xmlns:a16="http://schemas.microsoft.com/office/drawing/2014/main" id="{DF9B5375-0AD2-475C-96B4-50B9D21167C1}"/>
+                </a:ext>
+              </a:extLst>
+            </p:cNvPr>
+            <p:cNvPicPr>
+              <a:picLocks noChangeAspect="1"/>
+            </p:cNvPicPr>
+            <p:nvPr/>
+          </p:nvPicPr>
+          <p:blipFill rotWithShape="1">
+            <a:blip r:embed="rId6"/>
+            <a:srcRect l="36500" t="68972" r="32167" b="24317"/>
+            <a:stretch/>
+          </p:blipFill>
+          <p:spPr>
+            <a:xfrm>
+              <a:off x="3301956" y="10095352"/>
+              <a:ext cx="5490902" cy="661303"/>
+            </a:xfrm>
+            <a:prstGeom prst="rect">
+              <a:avLst/>
+            </a:prstGeom>
+          </p:spPr>
+        </p:pic>
+      </p:grpSp>
     </p:spTree>
     <p:extLst>
       <p:ext uri="{BB962C8B-B14F-4D97-AF65-F5344CB8AC3E}">
-        <p14:creationId xmlns:p14="http://schemas.microsoft.com/office/powerpoint/2010/main" val="2343763517"/>
+        <p14:creationId xmlns:p14="http://schemas.microsoft.com/office/powerpoint/2010/main" val="1799365266"/>
       </p:ext>
     </p:extLst>
   </p:cSld>
